--- a/Others/The Physics of Wi-Fi.pptx
+++ b/Others/The Physics of Wi-Fi.pptx
@@ -843,7 +843,7 @@
             <a:fld id="{B61BEF0D-F0BB-DE4B-95CE-6DB70DBA9567}" type="datetimeFigureOut">
               <a:rPr lang="en-US" smtClean="0"/>
               <a:pPr/>
-              <a:t>12/9/2021</a:t>
+              <a:t>12/10/2021</a:t>
             </a:fld>
             <a:endParaRPr lang="en-US" dirty="0"/>
           </a:p>
@@ -1106,7 +1106,7 @@
             <a:fld id="{B61BEF0D-F0BB-DE4B-95CE-6DB70DBA9567}" type="datetimeFigureOut">
               <a:rPr lang="en-US" smtClean="0"/>
               <a:pPr/>
-              <a:t>12/9/2021</a:t>
+              <a:t>12/10/2021</a:t>
             </a:fld>
             <a:endParaRPr lang="en-US" dirty="0"/>
           </a:p>
@@ -1425,7 +1425,7 @@
             <a:fld id="{B61BEF0D-F0BB-DE4B-95CE-6DB70DBA9567}" type="datetimeFigureOut">
               <a:rPr lang="en-US" smtClean="0"/>
               <a:pPr/>
-              <a:t>12/9/2021</a:t>
+              <a:t>12/10/2021</a:t>
             </a:fld>
             <a:endParaRPr lang="en-US" dirty="0"/>
           </a:p>
@@ -1771,7 +1771,7 @@
             <a:fld id="{B61BEF0D-F0BB-DE4B-95CE-6DB70DBA9567}" type="datetimeFigureOut">
               <a:rPr lang="en-US" smtClean="0"/>
               <a:pPr/>
-              <a:t>12/9/2021</a:t>
+              <a:t>12/10/2021</a:t>
             </a:fld>
             <a:endParaRPr lang="en-US" dirty="0"/>
           </a:p>
@@ -2090,7 +2090,7 @@
             <a:fld id="{B61BEF0D-F0BB-DE4B-95CE-6DB70DBA9567}" type="datetimeFigureOut">
               <a:rPr lang="en-US" smtClean="0"/>
               <a:pPr/>
-              <a:t>12/9/2021</a:t>
+              <a:t>12/10/2021</a:t>
             </a:fld>
             <a:endParaRPr lang="en-US" dirty="0"/>
           </a:p>
@@ -2488,7 +2488,7 @@
             <a:fld id="{B61BEF0D-F0BB-DE4B-95CE-6DB70DBA9567}" type="datetimeFigureOut">
               <a:rPr lang="en-US" smtClean="0"/>
               <a:pPr/>
-              <a:t>12/9/2021</a:t>
+              <a:t>12/10/2021</a:t>
             </a:fld>
             <a:endParaRPr lang="en-US" dirty="0"/>
           </a:p>
@@ -2662,7 +2662,7 @@
           <a:p>
             <a:fld id="{55C6B4A9-1611-4792-9094-5F34BCA07E0B}" type="datetimeFigureOut">
               <a:rPr lang="en-US" smtClean="0"/>
-              <a:t>12/9/2021</a:t>
+              <a:t>12/10/2021</a:t>
             </a:fld>
             <a:endParaRPr lang="en-US" dirty="0"/>
           </a:p>
@@ -2853,7 +2853,7 @@
             <a:fld id="{B61BEF0D-F0BB-DE4B-95CE-6DB70DBA9567}" type="datetimeFigureOut">
               <a:rPr lang="en-US" smtClean="0"/>
               <a:pPr/>
-              <a:t>12/9/2021</a:t>
+              <a:t>12/10/2021</a:t>
             </a:fld>
             <a:endParaRPr lang="en-US" dirty="0"/>
           </a:p>
@@ -3041,7 +3041,7 @@
             <a:fld id="{B61BEF0D-F0BB-DE4B-95CE-6DB70DBA9567}" type="datetimeFigureOut">
               <a:rPr lang="en-US" smtClean="0"/>
               <a:pPr/>
-              <a:t>12/9/2021</a:t>
+              <a:t>12/10/2021</a:t>
             </a:fld>
             <a:endParaRPr lang="en-US" dirty="0"/>
           </a:p>
@@ -3300,7 +3300,7 @@
             <a:fld id="{B61BEF0D-F0BB-DE4B-95CE-6DB70DBA9567}" type="datetimeFigureOut">
               <a:rPr lang="en-US" smtClean="0"/>
               <a:pPr/>
-              <a:t>12/9/2021</a:t>
+              <a:t>12/10/2021</a:t>
             </a:fld>
             <a:endParaRPr lang="en-US" dirty="0"/>
           </a:p>
@@ -3543,7 +3543,7 @@
           <a:p>
             <a:fld id="{EB712588-04B1-427B-82EE-E8DB90309F08}" type="datetimeFigureOut">
               <a:rPr lang="en-US" smtClean="0"/>
-              <a:t>12/9/2021</a:t>
+              <a:t>12/10/2021</a:t>
             </a:fld>
             <a:endParaRPr lang="en-US" dirty="0"/>
           </a:p>
@@ -3928,7 +3928,7 @@
             <a:fld id="{B61BEF0D-F0BB-DE4B-95CE-6DB70DBA9567}" type="datetimeFigureOut">
               <a:rPr lang="en-US" smtClean="0"/>
               <a:pPr/>
-              <a:t>12/9/2021</a:t>
+              <a:t>12/10/2021</a:t>
             </a:fld>
             <a:endParaRPr lang="en-US" dirty="0"/>
           </a:p>
@@ -4063,7 +4063,7 @@
             <a:fld id="{B61BEF0D-F0BB-DE4B-95CE-6DB70DBA9567}" type="datetimeFigureOut">
               <a:rPr lang="en-US" smtClean="0"/>
               <a:pPr/>
-              <a:t>12/9/2021</a:t>
+              <a:t>12/10/2021</a:t>
             </a:fld>
             <a:endParaRPr lang="en-US" dirty="0"/>
           </a:p>
@@ -4170,7 +4170,7 @@
             <a:fld id="{B61BEF0D-F0BB-DE4B-95CE-6DB70DBA9567}" type="datetimeFigureOut">
               <a:rPr lang="en-US" smtClean="0"/>
               <a:pPr/>
-              <a:t>12/9/2021</a:t>
+              <a:t>12/10/2021</a:t>
             </a:fld>
             <a:endParaRPr lang="en-US" dirty="0"/>
           </a:p>
@@ -4436,7 +4436,7 @@
           <a:p>
             <a:fld id="{42A54C80-263E-416B-A8E0-580EDEADCBDC}" type="datetimeFigureOut">
               <a:rPr lang="en-US" smtClean="0"/>
-              <a:t>12/9/2021</a:t>
+              <a:t>12/10/2021</a:t>
             </a:fld>
             <a:endParaRPr lang="en-US" dirty="0"/>
           </a:p>
@@ -4710,7 +4710,7 @@
             <a:fld id="{B61BEF0D-F0BB-DE4B-95CE-6DB70DBA9567}" type="datetimeFigureOut">
               <a:rPr lang="en-US" smtClean="0"/>
               <a:pPr/>
-              <a:t>12/9/2021</a:t>
+              <a:t>12/10/2021</a:t>
             </a:fld>
             <a:endParaRPr lang="en-US" dirty="0"/>
           </a:p>
@@ -5468,7 +5468,7 @@
             <a:fld id="{B61BEF0D-F0BB-DE4B-95CE-6DB70DBA9567}" type="datetimeFigureOut">
               <a:rPr lang="en-US" smtClean="0"/>
               <a:pPr/>
-              <a:t>12/9/2021</a:t>
+              <a:t>12/10/2021</a:t>
             </a:fld>
             <a:endParaRPr lang="en-US" dirty="0"/>
           </a:p>
@@ -6226,7 +6226,7 @@
       </p:grpSpPr>
       <p:pic>
         <p:nvPicPr>
-          <p:cNvPr id="26" name="Picture 25"/>
+          <p:cNvPr id="7" name="Picture 6"/>
           <p:cNvPicPr>
             <a:picLocks noChangeAspect="1"/>
           </p:cNvPicPr>
@@ -6246,8 +6246,8 @@
         </p:blipFill>
         <p:spPr>
           <a:xfrm>
-            <a:off x="8439022" y="1305140"/>
-            <a:ext cx="3188239" cy="3135541"/>
+            <a:off x="8617729" y="2217620"/>
+            <a:ext cx="2890891" cy="1205479"/>
           </a:xfrm>
           <a:prstGeom prst="rect">
             <a:avLst/>
@@ -6382,7 +6382,7 @@
       </p:sp>
       <p:pic>
         <p:nvPicPr>
-          <p:cNvPr id="27" name="Picture 26"/>
+          <p:cNvPr id="4" name="Picture 3"/>
           <p:cNvPicPr>
             <a:picLocks noChangeAspect="1"/>
           </p:cNvPicPr>
@@ -6402,8 +6402,68 @@
         </p:blipFill>
         <p:spPr>
           <a:xfrm>
-            <a:off x="9505936" y="2257132"/>
-            <a:ext cx="1592372" cy="1194279"/>
+            <a:off x="8204200" y="2281215"/>
+            <a:ext cx="3717955" cy="2117511"/>
+          </a:xfrm>
+          <a:prstGeom prst="rect">
+            <a:avLst/>
+          </a:prstGeom>
+        </p:spPr>
+      </p:pic>
+      <p:pic>
+        <p:nvPicPr>
+          <p:cNvPr id="27" name="Picture 26"/>
+          <p:cNvPicPr>
+            <a:picLocks noChangeAspect="1"/>
+          </p:cNvPicPr>
+          <p:nvPr/>
+        </p:nvPicPr>
+        <p:blipFill>
+          <a:blip r:embed="rId4">
+            <a:extLst>
+              <a:ext uri="{28A0092B-C50C-407E-A947-70E740481C1C}">
+                <a14:useLocalDpi xmlns:a14="http://schemas.microsoft.com/office/drawing/2010/main" val="0"/>
+              </a:ext>
+            </a:extLst>
+          </a:blip>
+          <a:stretch>
+            <a:fillRect/>
+          </a:stretch>
+        </p:blipFill>
+        <p:spPr>
+          <a:xfrm>
+            <a:off x="9177611" y="1812595"/>
+            <a:ext cx="1771123" cy="1328342"/>
+          </a:xfrm>
+          <a:prstGeom prst="rect">
+            <a:avLst/>
+          </a:prstGeom>
+        </p:spPr>
+      </p:pic>
+      <p:pic>
+        <p:nvPicPr>
+          <p:cNvPr id="6" name="Picture 5"/>
+          <p:cNvPicPr>
+            <a:picLocks noChangeAspect="1"/>
+          </p:cNvPicPr>
+          <p:nvPr/>
+        </p:nvPicPr>
+        <p:blipFill>
+          <a:blip r:embed="rId5">
+            <a:extLst>
+              <a:ext uri="{28A0092B-C50C-407E-A947-70E740481C1C}">
+                <a14:useLocalDpi xmlns:a14="http://schemas.microsoft.com/office/drawing/2010/main" val="0"/>
+              </a:ext>
+            </a:extLst>
+          </a:blip>
+          <a:stretch>
+            <a:fillRect/>
+          </a:stretch>
+        </p:blipFill>
+        <p:spPr>
+          <a:xfrm>
+            <a:off x="9296514" y="0"/>
+            <a:ext cx="1533333" cy="1876190"/>
           </a:xfrm>
           <a:prstGeom prst="rect">
             <a:avLst/>
@@ -6426,7 +6486,173 @@
   <p:timing>
     <p:tnLst>
       <p:par>
-        <p:cTn id="1" dur="indefinite" restart="never" nodeType="tmRoot"/>
+        <p:cTn id="1" dur="indefinite" restart="never" nodeType="tmRoot">
+          <p:childTnLst>
+            <p:seq concurrent="1" nextAc="seek">
+              <p:cTn id="2" dur="indefinite" nodeType="mainSeq">
+                <p:childTnLst>
+                  <p:par>
+                    <p:cTn id="3" fill="hold">
+                      <p:stCondLst>
+                        <p:cond delay="indefinite"/>
+                      </p:stCondLst>
+                      <p:childTnLst>
+                        <p:par>
+                          <p:cTn id="4" fill="hold">
+                            <p:stCondLst>
+                              <p:cond delay="0"/>
+                            </p:stCondLst>
+                            <p:childTnLst>
+                              <p:par>
+                                <p:cTn id="5" presetID="1" presetClass="exit" presetSubtype="0" fill="hold" nodeType="clickEffect">
+                                  <p:stCondLst>
+                                    <p:cond delay="0"/>
+                                  </p:stCondLst>
+                                  <p:childTnLst>
+                                    <p:set>
+                                      <p:cBhvr>
+                                        <p:cTn id="6" dur="1" fill="hold">
+                                          <p:stCondLst>
+                                            <p:cond delay="0"/>
+                                          </p:stCondLst>
+                                        </p:cTn>
+                                        <p:tgtEl>
+                                          <p:spTgt spid="27"/>
+                                        </p:tgtEl>
+                                        <p:attrNameLst>
+                                          <p:attrName>style.visibility</p:attrName>
+                                        </p:attrNameLst>
+                                      </p:cBhvr>
+                                      <p:to>
+                                        <p:strVal val="hidden"/>
+                                      </p:to>
+                                    </p:set>
+                                  </p:childTnLst>
+                                </p:cTn>
+                              </p:par>
+                              <p:par>
+                                <p:cTn id="7" presetID="1" presetClass="exit" presetSubtype="0" fill="hold" nodeType="withEffect">
+                                  <p:stCondLst>
+                                    <p:cond delay="0"/>
+                                  </p:stCondLst>
+                                  <p:childTnLst>
+                                    <p:set>
+                                      <p:cBhvr>
+                                        <p:cTn id="8" dur="1" fill="hold">
+                                          <p:stCondLst>
+                                            <p:cond delay="0"/>
+                                          </p:stCondLst>
+                                        </p:cTn>
+                                        <p:tgtEl>
+                                          <p:spTgt spid="4"/>
+                                        </p:tgtEl>
+                                        <p:attrNameLst>
+                                          <p:attrName>style.visibility</p:attrName>
+                                        </p:attrNameLst>
+                                      </p:cBhvr>
+                                      <p:to>
+                                        <p:strVal val="hidden"/>
+                                      </p:to>
+                                    </p:set>
+                                  </p:childTnLst>
+                                </p:cTn>
+                              </p:par>
+                              <p:par>
+                                <p:cTn id="9" presetID="1" presetClass="exit" presetSubtype="0" fill="hold" nodeType="withEffect">
+                                  <p:stCondLst>
+                                    <p:cond delay="0"/>
+                                  </p:stCondLst>
+                                  <p:childTnLst>
+                                    <p:set>
+                                      <p:cBhvr>
+                                        <p:cTn id="10" dur="1" fill="hold">
+                                          <p:stCondLst>
+                                            <p:cond delay="0"/>
+                                          </p:stCondLst>
+                                        </p:cTn>
+                                        <p:tgtEl>
+                                          <p:spTgt spid="6"/>
+                                        </p:tgtEl>
+                                        <p:attrNameLst>
+                                          <p:attrName>style.visibility</p:attrName>
+                                        </p:attrNameLst>
+                                      </p:cBhvr>
+                                      <p:to>
+                                        <p:strVal val="hidden"/>
+                                      </p:to>
+                                    </p:set>
+                                  </p:childTnLst>
+                                </p:cTn>
+                              </p:par>
+                            </p:childTnLst>
+                          </p:cTn>
+                        </p:par>
+                        <p:par>
+                          <p:cTn id="11" fill="hold">
+                            <p:stCondLst>
+                              <p:cond delay="0"/>
+                            </p:stCondLst>
+                            <p:childTnLst>
+                              <p:par>
+                                <p:cTn id="12" presetID="10" presetClass="entr" presetSubtype="0" fill="hold" nodeType="afterEffect">
+                                  <p:stCondLst>
+                                    <p:cond delay="0"/>
+                                  </p:stCondLst>
+                                  <p:childTnLst>
+                                    <p:set>
+                                      <p:cBhvr>
+                                        <p:cTn id="13" dur="1" fill="hold">
+                                          <p:stCondLst>
+                                            <p:cond delay="0"/>
+                                          </p:stCondLst>
+                                        </p:cTn>
+                                        <p:tgtEl>
+                                          <p:spTgt spid="7"/>
+                                        </p:tgtEl>
+                                        <p:attrNameLst>
+                                          <p:attrName>style.visibility</p:attrName>
+                                        </p:attrNameLst>
+                                      </p:cBhvr>
+                                      <p:to>
+                                        <p:strVal val="visible"/>
+                                      </p:to>
+                                    </p:set>
+                                    <p:animEffect transition="in" filter="fade">
+                                      <p:cBhvr>
+                                        <p:cTn id="14" dur="500"/>
+                                        <p:tgtEl>
+                                          <p:spTgt spid="7"/>
+                                        </p:tgtEl>
+                                      </p:cBhvr>
+                                    </p:animEffect>
+                                  </p:childTnLst>
+                                </p:cTn>
+                              </p:par>
+                            </p:childTnLst>
+                          </p:cTn>
+                        </p:par>
+                      </p:childTnLst>
+                    </p:cTn>
+                  </p:par>
+                </p:childTnLst>
+              </p:cTn>
+              <p:prevCondLst>
+                <p:cond evt="onPrev" delay="0">
+                  <p:tgtEl>
+                    <p:sldTgt/>
+                  </p:tgtEl>
+                </p:cond>
+              </p:prevCondLst>
+              <p:nextCondLst>
+                <p:cond evt="onNext" delay="0">
+                  <p:tgtEl>
+                    <p:sldTgt/>
+                  </p:tgtEl>
+                </p:cond>
+              </p:nextCondLst>
+            </p:seq>
+          </p:childTnLst>
+        </p:cTn>
       </p:par>
     </p:tnLst>
   </p:timing>
@@ -6577,19 +6803,7 @@
               <a:rPr lang="en-US" sz="3600" dirty="0">
                 <a:latin typeface="Agency FB" panose="020B0503020202020204" pitchFamily="34" charset="0"/>
               </a:rPr>
-              <a:t>ow we know </a:t>
-            </a:r>
-            <a:r>
-              <a:rPr lang="en-US" sz="3600" dirty="0">
-                <a:latin typeface="Agency FB" panose="020B0503020202020204" pitchFamily="34" charset="0"/>
-              </a:rPr>
-              <a:t>that</a:t>
-            </a:r>
-            <a:r>
-              <a:rPr lang="en-US" sz="3600" dirty="0">
-                <a:latin typeface="Agency FB" panose="020B0503020202020204" pitchFamily="34" charset="0"/>
-              </a:rPr>
-              <a:t> </a:t>
+              <a:t>ow we know that </a:t>
             </a:r>
             <a:r>
               <a:rPr lang="en-US" sz="3600" dirty="0">
@@ -6683,19 +6897,7 @@
               <a:rPr lang="en-US" sz="3600" dirty="0">
                 <a:latin typeface="Agency FB" panose="020B0503020202020204" pitchFamily="34" charset="0"/>
               </a:rPr>
-              <a:t>are </a:t>
-            </a:r>
-            <a:r>
-              <a:rPr lang="en-US" sz="3600" dirty="0">
-                <a:latin typeface="Agency FB" panose="020B0503020202020204" pitchFamily="34" charset="0"/>
-              </a:rPr>
-              <a:t>necessary</a:t>
-            </a:r>
-            <a:r>
-              <a:rPr lang="en-US" sz="3600" dirty="0">
-                <a:latin typeface="Agency FB" panose="020B0503020202020204" pitchFamily="34" charset="0"/>
-              </a:rPr>
-              <a:t> in why </a:t>
+              <a:t>are necessary in why </a:t>
             </a:r>
             <a:r>
               <a:rPr lang="en-US" sz="3600" dirty="0">
@@ -6712,9 +6914,6 @@
               </a:rPr>
               <a:t> works. </a:t>
             </a:r>
-            <a:endParaRPr lang="en-US" sz="3600" dirty="0">
-              <a:latin typeface="Agency FB" panose="020B0503020202020204" pitchFamily="34" charset="0"/>
-            </a:endParaRPr>
           </a:p>
         </p:txBody>
       </p:sp>
@@ -7130,19 +7329,11 @@
             </a:r>
             <a:r>
               <a:rPr lang="en-US" sz="800" dirty="0" smtClean="0"/>
-              <a:t> </a:t>
-            </a:r>
-            <a:r>
-              <a:rPr lang="en-US" sz="800" dirty="0" smtClean="0"/>
-              <a:t>:</a:t>
+              <a:t> :</a:t>
             </a:r>
             <a:r>
               <a:rPr lang="en-US" sz="900" i="1" dirty="0" smtClean="0"/>
-              <a:t>the maximum extent of a vibration or </a:t>
-            </a:r>
-            <a:r>
-              <a:rPr lang="en-US" sz="900" i="1" dirty="0" smtClean="0"/>
-              <a:t>oscillation</a:t>
+              <a:t>the maximum extent of a vibration or oscillation</a:t>
             </a:r>
           </a:p>
           <a:p>
@@ -7191,7 +7382,7 @@
         <p:spPr>
           <a:xfrm>
             <a:off x="386639" y="1966054"/>
-            <a:ext cx="7028313" cy="2523768"/>
+            <a:ext cx="7028313" cy="3046988"/>
           </a:xfrm>
           <a:prstGeom prst="rect">
             <a:avLst/>
@@ -7209,15 +7400,15 @@
               <a:buChar char="•"/>
             </a:pPr>
             <a:r>
-              <a:rPr lang="en-US" sz="2000" b="1" dirty="0" smtClean="0"/>
+              <a:rPr lang="en-US" sz="2400" b="1" dirty="0" smtClean="0"/>
               <a:t>Electromagnetic: </a:t>
             </a:r>
             <a:r>
-              <a:rPr lang="en-US" dirty="0" smtClean="0"/>
+              <a:rPr lang="en-US" sz="2400" dirty="0" smtClean="0"/>
               <a:t>Radio </a:t>
             </a:r>
             <a:r>
-              <a:rPr lang="en-US" dirty="0" smtClean="0">
+              <a:rPr lang="en-US" sz="2400" dirty="0" smtClean="0">
                 <a:solidFill>
                   <a:srgbClr val="92D050"/>
                 </a:solidFill>
@@ -7225,11 +7416,11 @@
               <a:t>Wave, </a:t>
             </a:r>
             <a:r>
-              <a:rPr lang="en-US" dirty="0" smtClean="0"/>
+              <a:rPr lang="en-US" sz="2400" dirty="0" smtClean="0"/>
               <a:t>Micro-waves, Visible Light Rays.Ultraviolet </a:t>
             </a:r>
             <a:r>
-              <a:rPr lang="en-US" dirty="0" smtClean="0">
+              <a:rPr lang="en-US" sz="2400" dirty="0" smtClean="0">
                 <a:solidFill>
                   <a:srgbClr val="92D050"/>
                 </a:solidFill>
@@ -7237,15 +7428,15 @@
               <a:t>Waves</a:t>
             </a:r>
             <a:r>
-              <a:rPr lang="en-US" dirty="0" smtClean="0"/>
+              <a:rPr lang="en-US" sz="2400" dirty="0" smtClean="0"/>
               <a:t>,X-rays,Gamma Rays.</a:t>
             </a:r>
           </a:p>
           <a:p>
-            <a:endParaRPr lang="en-US" sz="2000" b="1" dirty="0"/>
-          </a:p>
-          <a:p>
-            <a:endParaRPr lang="en-US" sz="2000" b="1" dirty="0"/>
+            <a:endParaRPr lang="en-US" sz="2400" b="1" dirty="0"/>
+          </a:p>
+          <a:p>
+            <a:endParaRPr lang="en-US" sz="2400" b="1" dirty="0"/>
           </a:p>
           <a:p>
             <a:pPr marL="457200" indent="-457200">
@@ -7253,15 +7444,15 @@
               <a:buChar char="•"/>
             </a:pPr>
             <a:r>
-              <a:rPr lang="en-US" sz="2000" b="1" dirty="0" smtClean="0"/>
+              <a:rPr lang="en-US" sz="2400" b="1" dirty="0" smtClean="0"/>
               <a:t>Mechanical:</a:t>
             </a:r>
             <a:r>
-              <a:rPr lang="en-US" sz="2000" dirty="0" smtClean="0"/>
+              <a:rPr lang="en-US" sz="2400" dirty="0" smtClean="0"/>
               <a:t> Mechanical </a:t>
             </a:r>
             <a:r>
-              <a:rPr lang="en-US" sz="2000" dirty="0">
+              <a:rPr lang="en-US" sz="2400" dirty="0">
                 <a:solidFill>
                   <a:srgbClr val="92D050"/>
                 </a:solidFill>
@@ -7269,11 +7460,11 @@
               <a:t>waves</a:t>
             </a:r>
             <a:r>
-              <a:rPr lang="en-US" sz="2000" dirty="0"/>
+              <a:rPr lang="en-US" sz="2400" dirty="0"/>
               <a:t> include water </a:t>
             </a:r>
             <a:r>
-              <a:rPr lang="en-US" sz="2000" dirty="0">
+              <a:rPr lang="en-US" sz="2400" dirty="0">
                 <a:solidFill>
                   <a:srgbClr val="92D050"/>
                 </a:solidFill>
@@ -7281,11 +7472,11 @@
               <a:t>waves</a:t>
             </a:r>
             <a:r>
-              <a:rPr lang="en-US" sz="2000" dirty="0"/>
+              <a:rPr lang="en-US" sz="2400" dirty="0"/>
               <a:t>, sound </a:t>
             </a:r>
             <a:r>
-              <a:rPr lang="en-US" sz="2000" dirty="0">
+              <a:rPr lang="en-US" sz="2400" dirty="0">
                 <a:solidFill>
                   <a:srgbClr val="92D050"/>
                 </a:solidFill>
@@ -7293,11 +7484,11 @@
               <a:t>waves</a:t>
             </a:r>
             <a:r>
-              <a:rPr lang="en-US" sz="2000" dirty="0"/>
+              <a:rPr lang="en-US" sz="2400" dirty="0"/>
               <a:t>, and </a:t>
             </a:r>
             <a:r>
-              <a:rPr lang="en-US" sz="2000" dirty="0">
+              <a:rPr lang="en-US" sz="2400" dirty="0">
                 <a:solidFill>
                   <a:srgbClr val="92D050"/>
                 </a:solidFill>
@@ -7305,26 +7496,14 @@
               <a:t>waves</a:t>
             </a:r>
             <a:r>
-              <a:rPr lang="en-US" sz="2000" dirty="0"/>
-              <a:t> on ropes or springs. Mechanical </a:t>
-            </a:r>
-            <a:r>
-              <a:rPr lang="en-US" sz="2000" dirty="0">
-                <a:solidFill>
-                  <a:srgbClr val="92D050"/>
-                </a:solidFill>
-              </a:rPr>
-              <a:t>waves</a:t>
-            </a:r>
-            <a:r>
-              <a:rPr lang="en-US" sz="2000" dirty="0"/>
-              <a:t> travel in a medium (such as air, water, glass, or rock</a:t>
-            </a:r>
-            <a:r>
-              <a:rPr lang="en-US" sz="2000" dirty="0" smtClean="0"/>
-              <a:t>).</a:t>
-            </a:r>
-            <a:endParaRPr lang="fr-FR" sz="2000" dirty="0"/>
+              <a:rPr lang="en-US" sz="2400" dirty="0"/>
+              <a:t> on ropes or springs</a:t>
+            </a:r>
+            <a:r>
+              <a:rPr lang="en-US" sz="2400" dirty="0" smtClean="0"/>
+              <a:t>.</a:t>
+            </a:r>
+            <a:endParaRPr lang="fr-FR" sz="2400" dirty="0"/>
           </a:p>
         </p:txBody>
       </p:sp>
@@ -7596,20 +7775,22 @@
         </p:nvSpPr>
         <p:spPr>
           <a:xfrm>
-            <a:off x="677334" y="609600"/>
+            <a:off x="1223434" y="349378"/>
             <a:ext cx="8596668" cy="795251"/>
           </a:xfrm>
         </p:spPr>
         <p:txBody>
-          <a:bodyPr/>
+          <a:bodyPr>
+            <a:noAutofit/>
+          </a:bodyPr>
           <a:lstStyle/>
           <a:p>
             <a:pPr algn="ctr"/>
             <a:r>
-              <a:rPr lang="en-US" dirty="0" smtClean="0"/>
+              <a:rPr lang="en-US" sz="6600" dirty="0" smtClean="0"/>
               <a:t>How it Works</a:t>
             </a:r>
-            <a:endParaRPr lang="fr-FR" dirty="0"/>
+            <a:endParaRPr lang="fr-FR" sz="6600" dirty="0"/>
           </a:p>
         </p:txBody>
       </p:sp>
@@ -7639,7 +7820,7 @@
               <a:buNone/>
             </a:pPr>
             <a:r>
-              <a:rPr lang="en-US" sz="4800" dirty="0" smtClean="0">
+              <a:rPr lang="en-US" sz="5400" dirty="0" smtClean="0">
                 <a:solidFill>
                   <a:srgbClr val="92D050"/>
                 </a:solidFill>
@@ -7647,19 +7828,19 @@
               <a:t>W</a:t>
             </a:r>
             <a:r>
-              <a:rPr lang="en-US" sz="1600" dirty="0" smtClean="0"/>
+              <a:rPr lang="en-US" sz="2000" dirty="0" smtClean="0"/>
               <a:t>aves </a:t>
             </a:r>
             <a:r>
-              <a:rPr lang="en-US" sz="1600" dirty="0"/>
+              <a:rPr lang="en-US" sz="2000" dirty="0"/>
               <a:t>travel at </a:t>
             </a:r>
             <a:r>
-              <a:rPr lang="en-US" sz="1600" dirty="0" smtClean="0"/>
+              <a:rPr lang="en-US" sz="2000" dirty="0" smtClean="0"/>
               <a:t>the speed of light, these </a:t>
             </a:r>
             <a:r>
-              <a:rPr lang="en-US" sz="1600" dirty="0" smtClean="0">
+              <a:rPr lang="en-US" sz="2000" dirty="0" smtClean="0">
                 <a:solidFill>
                   <a:srgbClr val="92D050"/>
                 </a:solidFill>
@@ -7667,20 +7848,28 @@
               <a:t>waves</a:t>
             </a:r>
             <a:r>
-              <a:rPr lang="en-US" sz="1600" dirty="0" smtClean="0"/>
-              <a:t> moves at the speed of light which make data transfer </a:t>
-            </a:r>
-            <a:r>
-              <a:rPr lang="en-US" sz="1600" dirty="0" smtClean="0"/>
-              <a:t>fast. </a:t>
-            </a:r>
-            <a:r>
-              <a:rPr lang="en-US" sz="1600" dirty="0" smtClean="0"/>
-              <a:t>The </a:t>
-            </a:r>
-            <a:r>
-              <a:rPr lang="en-US" sz="1600" dirty="0" smtClean="0"/>
-              <a:t>only issue is how much data can be sent. </a:t>
+              <a:rPr lang="en-US" sz="2000" dirty="0" smtClean="0"/>
+              <a:t> moves at the speed of light which make data transfer fast. The only issue is how much data can be </a:t>
+            </a:r>
+            <a:r>
+              <a:rPr lang="en-US" sz="2000" dirty="0" smtClean="0"/>
+              <a:t>sent. Speed </a:t>
+            </a:r>
+            <a:r>
+              <a:rPr lang="en-US" sz="2000" dirty="0" smtClean="0"/>
+              <a:t>of </a:t>
+            </a:r>
+            <a:r>
+              <a:rPr lang="en-US" sz="2000" dirty="0" smtClean="0">
+                <a:solidFill>
+                  <a:srgbClr val="92D050"/>
+                </a:solidFill>
+              </a:rPr>
+              <a:t>waves</a:t>
+            </a:r>
+            <a:r>
+              <a:rPr lang="en-US" sz="2000" dirty="0" smtClean="0"/>
+              <a:t> are measure using the Hz unit</a:t>
             </a:r>
           </a:p>
           <a:p>
@@ -7688,16 +7877,28 @@
               <a:buNone/>
             </a:pPr>
             <a:r>
-              <a:rPr lang="en-US" sz="1600" dirty="0" smtClean="0"/>
-              <a:t>While 915 </a:t>
-            </a:r>
-            <a:r>
-              <a:rPr lang="en-US" sz="1600" i="1" dirty="0" smtClean="0"/>
-              <a:t>mhz</a:t>
-            </a:r>
-            <a:r>
-              <a:rPr lang="en-US" sz="1600" dirty="0" smtClean="0"/>
-              <a:t> is great at going long distances it is moving so slow it is not capable of transferring large amount of data in transmissions.</a:t>
+              <a:rPr lang="en-US" sz="2000" dirty="0" smtClean="0"/>
+              <a:t>the lower it is the longer distance which can move </a:t>
+            </a:r>
+            <a:r>
+              <a:rPr lang="en-US" sz="2000" dirty="0" smtClean="0"/>
+              <a:t>but </a:t>
+            </a:r>
+            <a:r>
+              <a:rPr lang="en-US" sz="2000" dirty="0" smtClean="0"/>
+              <a:t>cannot transferring </a:t>
+            </a:r>
+            <a:r>
+              <a:rPr lang="en-US" sz="2000" dirty="0" smtClean="0"/>
+              <a:t>large </a:t>
+            </a:r>
+            <a:r>
+              <a:rPr lang="en-US" sz="2000" dirty="0" smtClean="0"/>
+              <a:t>amount </a:t>
+            </a:r>
+            <a:r>
+              <a:rPr lang="en-US" sz="2000" dirty="0" smtClean="0"/>
+              <a:t>of data in transmissions.</a:t>
             </a:r>
           </a:p>
           <a:p>
@@ -7705,8 +7906,8 @@
               <a:buNone/>
             </a:pPr>
             <a:r>
-              <a:rPr lang="en-US" sz="1600" dirty="0" smtClean="0"/>
-              <a:t>While the stand 2.4 Ghz is oscillating at a much greater speed it allows for more data to be transferred. </a:t>
+              <a:rPr lang="en-US" sz="2000" dirty="0" smtClean="0"/>
+              <a:t>While the higher oscillating have much greater speed it allows for more data to be transferred.</a:t>
             </a:r>
           </a:p>
           <a:p>
@@ -7714,26 +7915,96 @@
               <a:buNone/>
             </a:pPr>
             <a:r>
-              <a:rPr lang="en-US" sz="1600" dirty="0" smtClean="0"/>
-              <a:t>The </a:t>
-            </a:r>
-            <a:r>
-              <a:rPr lang="en-US" sz="1600" dirty="0" smtClean="0"/>
-              <a:t>major issues with radio waves is they reflect around. The faster the waves the easier they are reflected. </a:t>
-            </a:r>
-          </a:p>
-          <a:p>
-            <a:pPr marL="0" indent="0">
-              <a:buNone/>
-            </a:pPr>
-            <a:r>
-              <a:rPr lang="en-US" sz="1600" dirty="0" smtClean="0"/>
-              <a:t>So the new 5.0GHZ waves are more prone to being jumbled up and because of this they often only perform better in smaller areas.</a:t>
-            </a:r>
-            <a:endParaRPr lang="fr-FR" sz="1600" dirty="0"/>
-          </a:p>
-        </p:txBody>
-      </p:sp>
+              <a:rPr lang="en-US" sz="2000" dirty="0" smtClean="0"/>
+              <a:t>The major issues with radio </a:t>
+            </a:r>
+            <a:r>
+              <a:rPr lang="en-US" sz="2000" dirty="0" smtClean="0">
+                <a:solidFill>
+                  <a:srgbClr val="92D050"/>
+                </a:solidFill>
+              </a:rPr>
+              <a:t>waves</a:t>
+            </a:r>
+            <a:r>
+              <a:rPr lang="en-US" sz="2000" dirty="0" smtClean="0"/>
+              <a:t> is they reflect around. The faster the </a:t>
+            </a:r>
+            <a:r>
+              <a:rPr lang="en-US" sz="2000" dirty="0" smtClean="0">
+                <a:solidFill>
+                  <a:srgbClr val="92D050"/>
+                </a:solidFill>
+              </a:rPr>
+              <a:t>waves</a:t>
+            </a:r>
+            <a:r>
+              <a:rPr lang="en-US" sz="2000" dirty="0" smtClean="0"/>
+              <a:t> the easier they are reflected. </a:t>
+            </a:r>
+          </a:p>
+        </p:txBody>
+      </p:sp>
+      <p:pic>
+        <p:nvPicPr>
+          <p:cNvPr id="7" name="Picture 6"/>
+          <p:cNvPicPr>
+            <a:picLocks noChangeAspect="1"/>
+          </p:cNvPicPr>
+          <p:nvPr/>
+        </p:nvPicPr>
+        <p:blipFill>
+          <a:blip r:embed="rId2">
+            <a:extLst>
+              <a:ext uri="{28A0092B-C50C-407E-A947-70E740481C1C}">
+                <a14:useLocalDpi xmlns:a14="http://schemas.microsoft.com/office/drawing/2010/main" val="0"/>
+              </a:ext>
+            </a:extLst>
+          </a:blip>
+          <a:stretch>
+            <a:fillRect/>
+          </a:stretch>
+        </p:blipFill>
+        <p:spPr>
+          <a:xfrm>
+            <a:off x="9221657" y="2795361"/>
+            <a:ext cx="2859809" cy="2859809"/>
+          </a:xfrm>
+          <a:prstGeom prst="rect">
+            <a:avLst/>
+          </a:prstGeom>
+        </p:spPr>
+      </p:pic>
+      <p:pic>
+        <p:nvPicPr>
+          <p:cNvPr id="8" name="Picture 7"/>
+          <p:cNvPicPr>
+            <a:picLocks noChangeAspect="1"/>
+          </p:cNvPicPr>
+          <p:nvPr/>
+        </p:nvPicPr>
+        <p:blipFill>
+          <a:blip r:embed="rId3">
+            <a:extLst>
+              <a:ext uri="{28A0092B-C50C-407E-A947-70E740481C1C}">
+                <a14:useLocalDpi xmlns:a14="http://schemas.microsoft.com/office/drawing/2010/main" val="0"/>
+              </a:ext>
+            </a:extLst>
+          </a:blip>
+          <a:stretch>
+            <a:fillRect/>
+          </a:stretch>
+        </p:blipFill>
+        <p:spPr>
+          <a:xfrm>
+            <a:off x="9264262" y="1217074"/>
+            <a:ext cx="2817204" cy="1259555"/>
+          </a:xfrm>
+          <a:prstGeom prst="rect">
+            <a:avLst/>
+          </a:prstGeom>
+        </p:spPr>
+      </p:pic>
     </p:spTree>
     <p:extLst>
       <p:ext uri="{BB962C8B-B14F-4D97-AF65-F5344CB8AC3E}">
@@ -7750,7 +8021,136 @@
   <p:timing>
     <p:tnLst>
       <p:par>
-        <p:cTn id="1" dur="indefinite" restart="never" nodeType="tmRoot"/>
+        <p:cTn id="1" dur="indefinite" restart="never" nodeType="tmRoot">
+          <p:childTnLst>
+            <p:seq concurrent="1" nextAc="seek">
+              <p:cTn id="2" dur="indefinite" nodeType="mainSeq">
+                <p:childTnLst>
+                  <p:par>
+                    <p:cTn id="3" fill="hold">
+                      <p:stCondLst>
+                        <p:cond delay="indefinite"/>
+                      </p:stCondLst>
+                      <p:childTnLst>
+                        <p:par>
+                          <p:cTn id="4" fill="hold">
+                            <p:stCondLst>
+                              <p:cond delay="0"/>
+                            </p:stCondLst>
+                            <p:childTnLst>
+                              <p:par>
+                                <p:cTn id="5" presetID="10" presetClass="entr" presetSubtype="0" fill="hold" nodeType="clickEffect">
+                                  <p:stCondLst>
+                                    <p:cond delay="0"/>
+                                  </p:stCondLst>
+                                  <p:childTnLst>
+                                    <p:set>
+                                      <p:cBhvr>
+                                        <p:cTn id="6" dur="1" fill="hold">
+                                          <p:stCondLst>
+                                            <p:cond delay="0"/>
+                                          </p:stCondLst>
+                                        </p:cTn>
+                                        <p:tgtEl>
+                                          <p:spTgt spid="8"/>
+                                        </p:tgtEl>
+                                        <p:attrNameLst>
+                                          <p:attrName>style.visibility</p:attrName>
+                                        </p:attrNameLst>
+                                      </p:cBhvr>
+                                      <p:to>
+                                        <p:strVal val="visible"/>
+                                      </p:to>
+                                    </p:set>
+                                    <p:animEffect transition="in" filter="fade">
+                                      <p:cBhvr>
+                                        <p:cTn id="7" dur="500"/>
+                                        <p:tgtEl>
+                                          <p:spTgt spid="8"/>
+                                        </p:tgtEl>
+                                      </p:cBhvr>
+                                    </p:animEffect>
+                                  </p:childTnLst>
+                                </p:cTn>
+                              </p:par>
+                            </p:childTnLst>
+                          </p:cTn>
+                        </p:par>
+                      </p:childTnLst>
+                    </p:cTn>
+                  </p:par>
+                  <p:par>
+                    <p:cTn id="8" fill="hold">
+                      <p:stCondLst>
+                        <p:cond delay="indefinite"/>
+                      </p:stCondLst>
+                      <p:childTnLst>
+                        <p:par>
+                          <p:cTn id="9" fill="hold">
+                            <p:stCondLst>
+                              <p:cond delay="0"/>
+                            </p:stCondLst>
+                            <p:childTnLst>
+                              <p:par>
+                                <p:cTn id="10" presetID="21" presetClass="entr" presetSubtype="1" fill="hold" nodeType="clickEffect">
+                                  <p:stCondLst>
+                                    <p:cond delay="0"/>
+                                  </p:stCondLst>
+                                  <p:childTnLst>
+                                    <p:set>
+                                      <p:cBhvr>
+                                        <p:cTn id="11" dur="1" fill="hold">
+                                          <p:stCondLst>
+                                            <p:cond delay="0"/>
+                                          </p:stCondLst>
+                                        </p:cTn>
+                                        <p:tgtEl>
+                                          <p:spTgt spid="7"/>
+                                        </p:tgtEl>
+                                        <p:attrNameLst>
+                                          <p:attrName>style.visibility</p:attrName>
+                                        </p:attrNameLst>
+                                      </p:cBhvr>
+                                      <p:to>
+                                        <p:strVal val="visible"/>
+                                      </p:to>
+                                    </p:set>
+                                    <p:animEffect transition="in" filter="wheel(1)">
+                                      <p:cBhvr>
+                                        <p:cTn id="12" dur="750"/>
+                                        <p:tgtEl>
+                                          <p:spTgt spid="7"/>
+                                        </p:tgtEl>
+                                      </p:cBhvr>
+                                    </p:animEffect>
+                                  </p:childTnLst>
+                                </p:cTn>
+                              </p:par>
+                            </p:childTnLst>
+                          </p:cTn>
+                        </p:par>
+                      </p:childTnLst>
+                    </p:cTn>
+                  </p:par>
+                </p:childTnLst>
+              </p:cTn>
+              <p:prevCondLst>
+                <p:cond evt="onPrev" delay="0">
+                  <p:tgtEl>
+                    <p:sldTgt/>
+                  </p:tgtEl>
+                </p:cond>
+              </p:prevCondLst>
+              <p:nextCondLst>
+                <p:cond evt="onNext" delay="0">
+                  <p:tgtEl>
+                    <p:sldTgt/>
+                  </p:tgtEl>
+                </p:cond>
+              </p:nextCondLst>
+            </p:seq>
+          </p:childTnLst>
+        </p:cTn>
       </p:par>
     </p:tnLst>
   </p:timing>
@@ -7806,7 +8206,7 @@
         <p:spPr/>
         <p:txBody>
           <a:bodyPr>
-            <a:normAutofit fontScale="85000" lnSpcReduction="20000"/>
+            <a:noAutofit/>
           </a:bodyPr>
           <a:lstStyle/>
           <a:p>
@@ -7814,7 +8214,7 @@
               <a:buNone/>
             </a:pPr>
             <a:r>
-              <a:rPr lang="en-US" dirty="0"/>
+              <a:rPr lang="en-US" sz="2400" dirty="0"/>
               <a:t>Now we can get into the important qualities of radio waves</a:t>
             </a:r>
           </a:p>
@@ -7823,15 +8223,15 @@
               <a:buNone/>
             </a:pPr>
             <a:r>
-              <a:rPr lang="en-US" dirty="0"/>
+              <a:rPr lang="en-US" sz="2400" dirty="0"/>
               <a:t>and how they shape our world of </a:t>
             </a:r>
             <a:r>
-              <a:rPr lang="en-US" dirty="0" smtClean="0"/>
+              <a:rPr lang="en-US" sz="2400" dirty="0" smtClean="0"/>
               <a:t>Wi-Fi </a:t>
             </a:r>
             <a:r>
-              <a:rPr lang="en-US" dirty="0"/>
+              <a:rPr lang="en-US" sz="2400" dirty="0"/>
               <a:t>"..different radio</a:t>
             </a:r>
           </a:p>
@@ -7840,7 +8240,7 @@
               <a:buNone/>
             </a:pPr>
             <a:r>
-              <a:rPr lang="en-US" dirty="0"/>
+              <a:rPr lang="en-US" sz="2400" dirty="0"/>
               <a:t>frequencies behave differently in different environments. The</a:t>
             </a:r>
           </a:p>
@@ -7849,7 +8249,7 @@
               <a:buNone/>
             </a:pPr>
             <a:r>
-              <a:rPr lang="en-US" dirty="0"/>
+              <a:rPr lang="en-US" sz="2400" dirty="0"/>
               <a:t>higher the frequency, the more easily radio waves are</a:t>
             </a:r>
           </a:p>
@@ -7858,7 +8258,7 @@
               <a:buNone/>
             </a:pPr>
             <a:r>
-              <a:rPr lang="en-US" dirty="0"/>
+              <a:rPr lang="en-US" sz="2400" dirty="0"/>
               <a:t>absorbed or reflected by things like ordinary building</a:t>
             </a:r>
           </a:p>
@@ -7867,7 +8267,7 @@
               <a:buNone/>
             </a:pPr>
             <a:r>
-              <a:rPr lang="en-US" dirty="0"/>
+              <a:rPr lang="en-US" sz="2400" dirty="0"/>
               <a:t>materials and vegetation. Visible light, though far higher up</a:t>
             </a:r>
           </a:p>
@@ -7876,7 +8276,7 @@
               <a:buNone/>
             </a:pPr>
             <a:r>
-              <a:rPr lang="en-US" dirty="0"/>
+              <a:rPr lang="en-US" sz="2400" dirty="0"/>
               <a:t>the electromagnetic spectrum, demonstrates the principle</a:t>
             </a:r>
           </a:p>
@@ -7885,7 +8285,7 @@
               <a:buNone/>
             </a:pPr>
             <a:r>
-              <a:rPr lang="en-US" dirty="0"/>
+              <a:rPr lang="en-US" sz="2400" dirty="0"/>
               <a:t>nicely. A sheet of typing paper will let some light through, but</a:t>
             </a:r>
           </a:p>
@@ -7894,7 +8294,7 @@
               <a:buNone/>
             </a:pPr>
             <a:r>
-              <a:rPr lang="en-US" dirty="0"/>
+              <a:rPr lang="en-US" sz="2400" dirty="0"/>
               <a:t>a ½ inch piece of plywood will block it entirely. Radio waves</a:t>
             </a:r>
           </a:p>
@@ -7903,7 +8303,7 @@
               <a:buNone/>
             </a:pPr>
             <a:r>
-              <a:rPr lang="en-US" dirty="0"/>
+              <a:rPr lang="en-US" sz="2400" dirty="0"/>
               <a:t>behave in a similar fashion. They have much better</a:t>
             </a:r>
           </a:p>
@@ -7912,7 +8312,7 @@
               <a:buNone/>
             </a:pPr>
             <a:r>
-              <a:rPr lang="en-US" dirty="0"/>
+              <a:rPr lang="en-US" sz="2400" dirty="0"/>
               <a:t>penetration than visible light, but you wouldn't bother trying</a:t>
             </a:r>
           </a:p>
@@ -7921,10 +8321,10 @@
               <a:buNone/>
             </a:pPr>
             <a:r>
-              <a:rPr lang="en-US" dirty="0" smtClean="0"/>
+              <a:rPr lang="en-US" sz="2400" dirty="0" smtClean="0"/>
               <a:t>to pick up the Cubs game if you were working in a bank vault.</a:t>
             </a:r>
-            <a:endParaRPr lang="fr-FR" dirty="0"/>
+            <a:endParaRPr lang="fr-FR" sz="2400" dirty="0"/>
           </a:p>
         </p:txBody>
       </p:sp>
